--- a/Census Income Classification Project.pptx
+++ b/Census Income Classification Project.pptx
@@ -210,7 +210,7 @@
           <a:p>
             <a:fld id="{38DB00D4-76C9-4682-A027-D94D0E30DDA7}" type="datetimeFigureOut">
               <a:rPr lang="en-US" smtClean="0"/>
-              <a:t>3/10/2025</a:t>
+              <a:t>3/19/2025</a:t>
             </a:fld>
             <a:endParaRPr lang="en-US"/>
           </a:p>
@@ -754,7 +754,7 @@
           <a:p>
             <a:fld id="{56FCE8A7-4D83-4080-A264-6F33ECE2F03C}" type="datetimeFigureOut">
               <a:rPr lang="en-US" smtClean="0"/>
-              <a:t>3/10/2025</a:t>
+              <a:t>3/19/2025</a:t>
             </a:fld>
             <a:endParaRPr lang="en-US"/>
           </a:p>
@@ -919,7 +919,7 @@
           <a:p>
             <a:fld id="{56FCE8A7-4D83-4080-A264-6F33ECE2F03C}" type="datetimeFigureOut">
               <a:rPr lang="en-US" smtClean="0"/>
-              <a:t>3/10/2025</a:t>
+              <a:t>3/19/2025</a:t>
             </a:fld>
             <a:endParaRPr lang="en-US"/>
           </a:p>
@@ -1094,7 +1094,7 @@
           <a:p>
             <a:fld id="{56FCE8A7-4D83-4080-A264-6F33ECE2F03C}" type="datetimeFigureOut">
               <a:rPr lang="en-US" smtClean="0"/>
-              <a:t>3/10/2025</a:t>
+              <a:t>3/19/2025</a:t>
             </a:fld>
             <a:endParaRPr lang="en-US"/>
           </a:p>
@@ -1259,7 +1259,7 @@
           <a:p>
             <a:fld id="{56FCE8A7-4D83-4080-A264-6F33ECE2F03C}" type="datetimeFigureOut">
               <a:rPr lang="en-US" smtClean="0"/>
-              <a:t>3/10/2025</a:t>
+              <a:t>3/19/2025</a:t>
             </a:fld>
             <a:endParaRPr lang="en-US"/>
           </a:p>
@@ -1501,7 +1501,7 @@
           <a:p>
             <a:fld id="{56FCE8A7-4D83-4080-A264-6F33ECE2F03C}" type="datetimeFigureOut">
               <a:rPr lang="en-US" smtClean="0"/>
-              <a:t>3/10/2025</a:t>
+              <a:t>3/19/2025</a:t>
             </a:fld>
             <a:endParaRPr lang="en-US"/>
           </a:p>
@@ -1765,7 +1765,7 @@
           <a:p>
             <a:fld id="{56FCE8A7-4D83-4080-A264-6F33ECE2F03C}" type="datetimeFigureOut">
               <a:rPr lang="en-US" smtClean="0"/>
-              <a:t>3/10/2025</a:t>
+              <a:t>3/19/2025</a:t>
             </a:fld>
             <a:endParaRPr lang="en-US"/>
           </a:p>
@@ -2143,7 +2143,7 @@
           <a:p>
             <a:fld id="{56FCE8A7-4D83-4080-A264-6F33ECE2F03C}" type="datetimeFigureOut">
               <a:rPr lang="en-US" smtClean="0"/>
-              <a:t>3/10/2025</a:t>
+              <a:t>3/19/2025</a:t>
             </a:fld>
             <a:endParaRPr lang="en-US"/>
           </a:p>
@@ -2293,7 +2293,7 @@
           <a:p>
             <a:fld id="{56FCE8A7-4D83-4080-A264-6F33ECE2F03C}" type="datetimeFigureOut">
               <a:rPr lang="en-US" smtClean="0"/>
-              <a:t>3/10/2025</a:t>
+              <a:t>3/19/2025</a:t>
             </a:fld>
             <a:endParaRPr lang="en-US"/>
           </a:p>
@@ -2383,7 +2383,7 @@
           <a:p>
             <a:fld id="{56FCE8A7-4D83-4080-A264-6F33ECE2F03C}" type="datetimeFigureOut">
               <a:rPr lang="en-US" smtClean="0"/>
-              <a:t>3/10/2025</a:t>
+              <a:t>3/19/2025</a:t>
             </a:fld>
             <a:endParaRPr lang="en-US"/>
           </a:p>
@@ -2644,7 +2644,7 @@
           <a:p>
             <a:fld id="{56FCE8A7-4D83-4080-A264-6F33ECE2F03C}" type="datetimeFigureOut">
               <a:rPr lang="en-US" smtClean="0"/>
-              <a:t>3/10/2025</a:t>
+              <a:t>3/19/2025</a:t>
             </a:fld>
             <a:endParaRPr lang="en-US"/>
           </a:p>
@@ -2932,7 +2932,7 @@
           <a:p>
             <a:fld id="{56FCE8A7-4D83-4080-A264-6F33ECE2F03C}" type="datetimeFigureOut">
               <a:rPr lang="en-US" smtClean="0"/>
-              <a:t>3/10/2025</a:t>
+              <a:t>3/19/2025</a:t>
             </a:fld>
             <a:endParaRPr lang="en-US"/>
           </a:p>
@@ -3703,7 +3703,7 @@
           <a:p>
             <a:fld id="{56FCE8A7-4D83-4080-A264-6F33ECE2F03C}" type="datetimeFigureOut">
               <a:rPr lang="en-US" smtClean="0"/>
-              <a:t>3/10/2025</a:t>
+              <a:t>3/19/2025</a:t>
             </a:fld>
             <a:endParaRPr lang="en-US"/>
           </a:p>
@@ -4381,19 +4381,17 @@
             </a:r>
             <a:r>
               <a:rPr lang="en-US" dirty="0" smtClean="0"/>
-              <a:t>, PhD.</a:t>
-            </a:r>
-          </a:p>
-          <a:p>
-            <a:r>
-              <a:rPr lang="en-US" dirty="0" smtClean="0"/>
-              <a:t>Senior Data Scientist Candidate at </a:t>
-            </a:r>
-            <a:r>
-              <a:rPr lang="en-US" dirty="0" err="1" smtClean="0"/>
-              <a:t>DataIku</a:t>
-            </a:r>
-            <a:endParaRPr lang="en-US" dirty="0"/>
+              <a:t>, </a:t>
+            </a:r>
+            <a:r>
+              <a:rPr lang="en-US" smtClean="0"/>
+              <a:t>PhD</a:t>
+            </a:r>
+            <a:r>
+              <a:rPr lang="en-US" smtClean="0"/>
+              <a:t>.</a:t>
+            </a:r>
+            <a:endParaRPr lang="en-US" dirty="0" smtClean="0"/>
           </a:p>
         </p:txBody>
       </p:sp>
